--- a/presentation.pptx
+++ b/presentation.pptx
@@ -114,6 +114,11 @@
       </a:defRPr>
     </a:lvl9pPr>
   </p:defaultTextStyle>
+  <p:extLst>
+    <p:ext uri="{EFAFB233-063F-42B5-8137-9DF3F51BA10A}">
+      <p15:sldGuideLst xmlns:p15="http://schemas.microsoft.com/office/powerpoint/2012/main"/>
+    </p:ext>
+  </p:extLst>
 </p:presentation>
 </file>
 
@@ -3839,6 +3844,16 @@
           <a:bodyPr/>
           <a:lstStyle/>
           <a:p>
+            <a:r>
+              <a:rPr lang="en-US" dirty="0" smtClean="0"/>
+              <a:t>Methodology, Results, Insights</a:t>
+            </a:r>
+          </a:p>
+          <a:p>
+            <a:r>
+              <a:rPr lang="en-US" smtClean="0"/>
+              <a:t>By Roger Mei</a:t>
+            </a:r>
             <a:endParaRPr lang="en-US" dirty="0"/>
           </a:p>
         </p:txBody>
@@ -5055,11 +5070,7 @@
             </a:r>
             <a:r>
               <a:rPr lang="en-US" dirty="0"/>
-              <a:t>not too many so that irrelevant documents are selected and not too few so that answers are limited</a:t>
-            </a:r>
-            <a:r>
-              <a:rPr lang="en-US" dirty="0"/>
-              <a:t> </a:t>
+              <a:t>not too many so that irrelevant documents are selected and not too few so that answers are limited </a:t>
             </a:r>
             <a:endParaRPr lang="en-US" dirty="0" smtClean="0"/>
           </a:p>
@@ -5230,11 +5241,7 @@
             </a:r>
             <a:r>
               <a:rPr lang="en-US" dirty="0"/>
-              <a:t>based on the question type.</a:t>
-            </a:r>
-            <a:r>
-              <a:rPr lang="en-US" dirty="0"/>
-              <a:t> </a:t>
+              <a:t>based on the question type. </a:t>
             </a:r>
             <a:endParaRPr lang="en-US" dirty="0" smtClean="0"/>
           </a:p>
